--- a/docs/diagrams/medicalhistory/SortMedHistSequenceDiagram.pptx
+++ b/docs/diagrams/medicalhistory/SortMedHistSequenceDiagram.pptx
@@ -10,7 +10,7 @@
   <p:sldIdLst>
     <p:sldId id="269" r:id="rId2"/>
   </p:sldIdLst>
-  <p:sldSz cx="17373600" cy="7315200"/>
+  <p:sldSz cx="17556163" cy="7315200"/>
   <p:notesSz cx="6858000" cy="9144000"/>
   <p:defaultTextStyle>
     <a:defPPr>
@@ -115,7 +115,7 @@
             <a:srgbClr val="A4A3A4"/>
           </p15:clr>
         </p15:guide>
-        <p15:guide id="2" pos="5472" userDrawn="1">
+        <p15:guide id="2" pos="5530" userDrawn="1">
           <p15:clr>
             <a:srgbClr val="A4A3A4"/>
           </p15:clr>
@@ -226,8 +226,8 @@
         </p:nvSpPr>
         <p:spPr>
           <a:xfrm>
-            <a:off x="-642938" y="685800"/>
-            <a:ext cx="8143876" cy="3429000"/>
+            <a:off x="-684213" y="685800"/>
+            <a:ext cx="8226426" cy="3429000"/>
           </a:xfrm>
           <a:prstGeom prst="rect">
             <a:avLst/>
@@ -504,8 +504,8 @@
         </p:nvSpPr>
         <p:spPr>
           <a:xfrm>
-            <a:off x="-642938" y="685800"/>
-            <a:ext cx="8143876" cy="3429000"/>
+            <a:off x="-684213" y="685800"/>
+            <a:ext cx="8226426" cy="3429000"/>
           </a:xfrm>
         </p:spPr>
       </p:sp>
@@ -593,8 +593,8 @@
         </p:nvSpPr>
         <p:spPr>
           <a:xfrm>
-            <a:off x="1303020" y="2272455"/>
-            <a:ext cx="14767560" cy="1568027"/>
+            <a:off x="1316712" y="2272456"/>
+            <a:ext cx="14922739" cy="1568027"/>
           </a:xfrm>
         </p:spPr>
         <p:txBody>
@@ -620,8 +620,8 @@
         </p:nvSpPr>
         <p:spPr>
           <a:xfrm>
-            <a:off x="2606040" y="4145280"/>
-            <a:ext cx="12161520" cy="1869440"/>
+            <a:off x="2633425" y="4145280"/>
+            <a:ext cx="12289314" cy="1869440"/>
           </a:xfrm>
         </p:spPr>
         <p:txBody>
@@ -1001,8 +1001,8 @@
         </p:nvSpPr>
         <p:spPr>
           <a:xfrm>
-            <a:off x="12595860" y="292948"/>
-            <a:ext cx="3909060" cy="6241627"/>
+            <a:off x="12728218" y="292949"/>
+            <a:ext cx="3950137" cy="6241627"/>
           </a:xfrm>
         </p:spPr>
         <p:txBody>
@@ -1028,8 +1028,8 @@
         </p:nvSpPr>
         <p:spPr>
           <a:xfrm>
-            <a:off x="868680" y="292948"/>
-            <a:ext cx="11437620" cy="6241627"/>
+            <a:off x="877808" y="292949"/>
+            <a:ext cx="11557807" cy="6241627"/>
           </a:xfrm>
         </p:spPr>
         <p:txBody>
@@ -1347,8 +1347,8 @@
         </p:nvSpPr>
         <p:spPr>
           <a:xfrm>
-            <a:off x="1372395" y="4700694"/>
-            <a:ext cx="14767560" cy="1452880"/>
+            <a:off x="1386816" y="4700694"/>
+            <a:ext cx="14922739" cy="1452880"/>
           </a:xfrm>
         </p:spPr>
         <p:txBody>
@@ -1378,8 +1378,8 @@
         </p:nvSpPr>
         <p:spPr>
           <a:xfrm>
-            <a:off x="1372395" y="3100495"/>
-            <a:ext cx="14767560" cy="1600199"/>
+            <a:off x="1386816" y="3100495"/>
+            <a:ext cx="14922739" cy="1600199"/>
           </a:xfrm>
         </p:spPr>
         <p:txBody>
@@ -1614,8 +1614,8 @@
         </p:nvSpPr>
         <p:spPr>
           <a:xfrm>
-            <a:off x="868680" y="1706880"/>
-            <a:ext cx="7673340" cy="4827694"/>
+            <a:off x="877808" y="1706880"/>
+            <a:ext cx="7753972" cy="4827694"/>
           </a:xfrm>
         </p:spPr>
         <p:txBody>
@@ -1698,8 +1698,8 @@
         </p:nvSpPr>
         <p:spPr>
           <a:xfrm>
-            <a:off x="8831580" y="1706880"/>
-            <a:ext cx="7673340" cy="4827694"/>
+            <a:off x="8924383" y="1706880"/>
+            <a:ext cx="7753972" cy="4827694"/>
           </a:xfrm>
         </p:spPr>
         <p:txBody>
@@ -1903,8 +1903,8 @@
         </p:nvSpPr>
         <p:spPr>
           <a:xfrm>
-            <a:off x="868680" y="1637454"/>
-            <a:ext cx="7676357" cy="682412"/>
+            <a:off x="877809" y="1637454"/>
+            <a:ext cx="7757021" cy="682412"/>
           </a:xfrm>
         </p:spPr>
         <p:txBody>
@@ -1968,8 +1968,8 @@
         </p:nvSpPr>
         <p:spPr>
           <a:xfrm>
-            <a:off x="868680" y="2319866"/>
-            <a:ext cx="7676357" cy="4214708"/>
+            <a:off x="877809" y="2319866"/>
+            <a:ext cx="7757021" cy="4214708"/>
           </a:xfrm>
         </p:spPr>
         <p:txBody>
@@ -2052,8 +2052,8 @@
         </p:nvSpPr>
         <p:spPr>
           <a:xfrm>
-            <a:off x="8825548" y="1637454"/>
-            <a:ext cx="7679373" cy="682412"/>
+            <a:off x="8918288" y="1637454"/>
+            <a:ext cx="7760068" cy="682412"/>
           </a:xfrm>
         </p:spPr>
         <p:txBody>
@@ -2117,8 +2117,8 @@
         </p:nvSpPr>
         <p:spPr>
           <a:xfrm>
-            <a:off x="8825548" y="2319866"/>
-            <a:ext cx="7679373" cy="4214708"/>
+            <a:off x="8918288" y="2319866"/>
+            <a:ext cx="7760068" cy="4214708"/>
           </a:xfrm>
         </p:spPr>
         <p:txBody>
@@ -2508,8 +2508,8 @@
         </p:nvSpPr>
         <p:spPr>
           <a:xfrm>
-            <a:off x="868682" y="291253"/>
-            <a:ext cx="5715795" cy="1239520"/>
+            <a:off x="877811" y="291253"/>
+            <a:ext cx="5775857" cy="1239520"/>
           </a:xfrm>
         </p:spPr>
         <p:txBody>
@@ -2539,8 +2539,8 @@
         </p:nvSpPr>
         <p:spPr>
           <a:xfrm>
-            <a:off x="6792595" y="291254"/>
-            <a:ext cx="9712325" cy="6243321"/>
+            <a:off x="6863972" y="291255"/>
+            <a:ext cx="9814383" cy="6243321"/>
           </a:xfrm>
         </p:spPr>
         <p:txBody>
@@ -2623,8 +2623,8 @@
         </p:nvSpPr>
         <p:spPr>
           <a:xfrm>
-            <a:off x="868682" y="1530773"/>
-            <a:ext cx="5715795" cy="5003801"/>
+            <a:off x="877811" y="1530773"/>
+            <a:ext cx="5775857" cy="5003801"/>
           </a:xfrm>
         </p:spPr>
         <p:txBody>
@@ -2783,8 +2783,8 @@
         </p:nvSpPr>
         <p:spPr>
           <a:xfrm>
-            <a:off x="3405347" y="5120641"/>
-            <a:ext cx="10424160" cy="604521"/>
+            <a:off x="3441131" y="5120642"/>
+            <a:ext cx="10533698" cy="604521"/>
           </a:xfrm>
         </p:spPr>
         <p:txBody>
@@ -2814,8 +2814,8 @@
         </p:nvSpPr>
         <p:spPr>
           <a:xfrm>
-            <a:off x="3405347" y="653627"/>
-            <a:ext cx="10424160" cy="4389120"/>
+            <a:off x="3441131" y="653627"/>
+            <a:ext cx="10533698" cy="4389120"/>
           </a:xfrm>
         </p:spPr>
         <p:txBody>
@@ -2875,8 +2875,8 @@
         </p:nvSpPr>
         <p:spPr>
           <a:xfrm>
-            <a:off x="3405347" y="5725162"/>
-            <a:ext cx="10424160" cy="858519"/>
+            <a:off x="3441131" y="5725163"/>
+            <a:ext cx="10533698" cy="858519"/>
           </a:xfrm>
         </p:spPr>
         <p:txBody>
@@ -3040,8 +3040,8 @@
         </p:nvSpPr>
         <p:spPr>
           <a:xfrm>
-            <a:off x="868680" y="292948"/>
-            <a:ext cx="15636240" cy="1219200"/>
+            <a:off x="877808" y="292948"/>
+            <a:ext cx="15800547" cy="1219200"/>
           </a:xfrm>
           <a:prstGeom prst="rect">
             <a:avLst/>
@@ -3072,8 +3072,8 @@
         </p:nvSpPr>
         <p:spPr>
           <a:xfrm>
-            <a:off x="868680" y="1706880"/>
-            <a:ext cx="15636240" cy="4827694"/>
+            <a:off x="877808" y="1706880"/>
+            <a:ext cx="15800547" cy="4827694"/>
           </a:xfrm>
           <a:prstGeom prst="rect">
             <a:avLst/>
@@ -3133,8 +3133,8 @@
         </p:nvSpPr>
         <p:spPr>
           <a:xfrm>
-            <a:off x="868680" y="6780108"/>
-            <a:ext cx="4053840" cy="389467"/>
+            <a:off x="877808" y="6780109"/>
+            <a:ext cx="4096438" cy="389467"/>
           </a:xfrm>
           <a:prstGeom prst="rect">
             <a:avLst/>
@@ -3174,8 +3174,8 @@
         </p:nvSpPr>
         <p:spPr>
           <a:xfrm>
-            <a:off x="5935980" y="6780108"/>
-            <a:ext cx="5501640" cy="389467"/>
+            <a:off x="5998356" y="6780109"/>
+            <a:ext cx="5559452" cy="389467"/>
           </a:xfrm>
           <a:prstGeom prst="rect">
             <a:avLst/>
@@ -3211,8 +3211,8 @@
         </p:nvSpPr>
         <p:spPr>
           <a:xfrm>
-            <a:off x="12451080" y="6780108"/>
-            <a:ext cx="4053840" cy="389467"/>
+            <a:off x="12581917" y="6780109"/>
+            <a:ext cx="4096438" cy="389467"/>
           </a:xfrm>
           <a:prstGeom prst="rect">
             <a:avLst/>
@@ -3539,7 +3539,7 @@
         </p:nvSpPr>
         <p:spPr>
           <a:xfrm>
-            <a:off x="8910871" y="397613"/>
+            <a:off x="9152096" y="152400"/>
             <a:ext cx="8310329" cy="6829343"/>
           </a:xfrm>
           <a:prstGeom prst="roundRect">
@@ -3600,7 +3600,7 @@
         </p:nvSpPr>
         <p:spPr>
           <a:xfrm>
-            <a:off x="522696" y="414645"/>
+            <a:off x="772552" y="152400"/>
             <a:ext cx="8310329" cy="6829342"/>
           </a:xfrm>
           <a:prstGeom prst="roundRect">
@@ -3661,8 +3661,8 @@
         </p:nvSpPr>
         <p:spPr>
           <a:xfrm>
-            <a:off x="1043079" y="315348"/>
-            <a:ext cx="1219200" cy="342891"/>
+            <a:off x="1286758" y="328145"/>
+            <a:ext cx="1414613" cy="330095"/>
           </a:xfrm>
           <a:prstGeom prst="rect">
             <a:avLst/>
@@ -3705,14 +3705,14 @@
               <a:t>:</a:t>
             </a:r>
             <a:r>
-              <a:rPr lang="en-US" sz="1300" dirty="0" err="1">
+              <a:rPr lang="en-US" sz="1600" dirty="0" err="1">
                 <a:solidFill>
                   <a:schemeClr val="bg1"/>
                 </a:solidFill>
               </a:rPr>
               <a:t>LogicManager</a:t>
             </a:r>
-            <a:endParaRPr lang="en-SG" sz="1300" dirty="0">
+            <a:endParaRPr lang="en-SG" sz="1600" dirty="0">
               <a:solidFill>
                 <a:schemeClr val="bg1"/>
               </a:solidFill>
@@ -3730,7 +3730,7 @@
         </p:nvCxnSpPr>
         <p:spPr>
           <a:xfrm>
-            <a:off x="1663438" y="679019"/>
+            <a:off x="1907118" y="679020"/>
             <a:ext cx="0" cy="6178983"/>
           </a:xfrm>
           <a:prstGeom prst="line">
@@ -3767,7 +3767,7 @@
         </p:nvSpPr>
         <p:spPr>
           <a:xfrm>
-            <a:off x="1591433" y="1029713"/>
+            <a:off x="1835114" y="1029714"/>
             <a:ext cx="184081" cy="5394435"/>
           </a:xfrm>
           <a:prstGeom prst="rect">
@@ -3814,8 +3814,8 @@
         </p:nvSpPr>
         <p:spPr>
           <a:xfrm>
-            <a:off x="2948082" y="301184"/>
-            <a:ext cx="1093631" cy="360923"/>
+            <a:off x="3191763" y="301191"/>
+            <a:ext cx="1242916" cy="360917"/>
           </a:xfrm>
           <a:prstGeom prst="rect">
             <a:avLst/>
@@ -3858,14 +3858,14 @@
               <a:t>:</a:t>
             </a:r>
             <a:r>
-              <a:rPr lang="en-US" sz="1300" dirty="0" err="1">
+              <a:rPr lang="en-US" sz="1600" dirty="0" err="1">
                 <a:solidFill>
                   <a:schemeClr val="bg1"/>
                 </a:solidFill>
               </a:rPr>
               <a:t>docXParser</a:t>
             </a:r>
-            <a:endParaRPr lang="en-SG" sz="1300" dirty="0">
+            <a:endParaRPr lang="en-SG" sz="1600" dirty="0">
               <a:solidFill>
                 <a:schemeClr val="bg1"/>
               </a:solidFill>
@@ -3883,7 +3883,7 @@
         </p:nvCxnSpPr>
         <p:spPr>
           <a:xfrm>
-            <a:off x="3481479" y="679019"/>
+            <a:off x="3725159" y="679020"/>
             <a:ext cx="0" cy="2902383"/>
           </a:xfrm>
           <a:prstGeom prst="line">
@@ -3920,7 +3920,7 @@
         </p:nvSpPr>
         <p:spPr>
           <a:xfrm>
-            <a:off x="3405278" y="1137209"/>
+            <a:off x="3648958" y="1137209"/>
             <a:ext cx="168130" cy="2196670"/>
           </a:xfrm>
           <a:prstGeom prst="rect">
@@ -3969,7 +3969,7 @@
         </p:nvCxnSpPr>
         <p:spPr>
           <a:xfrm>
-            <a:off x="7445392" y="2598723"/>
+            <a:off x="7689072" y="2598724"/>
             <a:ext cx="0" cy="3788923"/>
           </a:xfrm>
           <a:prstGeom prst="line">
@@ -4006,7 +4006,7 @@
         </p:nvSpPr>
         <p:spPr>
           <a:xfrm>
-            <a:off x="5081679" y="1295402"/>
+            <a:off x="5325359" y="1295403"/>
             <a:ext cx="152400" cy="276003"/>
           </a:xfrm>
           <a:prstGeom prst="rect">
@@ -4053,7 +4053,7 @@
         </p:nvCxnSpPr>
         <p:spPr>
           <a:xfrm>
-            <a:off x="471582" y="1033398"/>
+            <a:off x="715263" y="1033398"/>
             <a:ext cx="1119851" cy="0"/>
           </a:xfrm>
           <a:prstGeom prst="straightConnector1">
@@ -4089,8 +4089,8 @@
         </p:nvSpPr>
         <p:spPr>
           <a:xfrm>
-            <a:off x="-152400" y="824142"/>
-            <a:ext cx="1745385" cy="169277"/>
+            <a:off x="0" y="775822"/>
+            <a:ext cx="1844693" cy="200055"/>
           </a:xfrm>
           <a:prstGeom prst="rect">
             <a:avLst/>
@@ -4105,7 +4105,7 @@
           <a:p>
             <a:pPr algn="r"/>
             <a:r>
-              <a:rPr lang="en-US" sz="1100" dirty="0">
+              <a:rPr lang="en-US" sz="1300" dirty="0">
                 <a:solidFill>
                   <a:srgbClr val="0070C0"/>
                 </a:solidFill>
@@ -4113,7 +4113,7 @@
               <a:t>execute(“sort-med-</a:t>
             </a:r>
             <a:r>
-              <a:rPr lang="en-US" sz="1100" dirty="0" err="1">
+              <a:rPr lang="en-US" sz="1300" dirty="0" err="1">
                 <a:solidFill>
                   <a:srgbClr val="0070C0"/>
                 </a:solidFill>
@@ -4121,7 +4121,7 @@
               <a:t>hist</a:t>
             </a:r>
             <a:r>
-              <a:rPr lang="en-US" sz="1100" dirty="0">
+              <a:rPr lang="en-US" sz="1300" dirty="0">
                 <a:solidFill>
                   <a:srgbClr val="0070C0"/>
                 </a:solidFill>
@@ -4139,7 +4139,7 @@
         </p:nvCxnSpPr>
         <p:spPr>
           <a:xfrm flipV="1">
-            <a:off x="3557679" y="1219202"/>
+            <a:off x="3801359" y="1219203"/>
             <a:ext cx="922392" cy="1"/>
           </a:xfrm>
           <a:prstGeom prst="straightConnector1">
@@ -4175,7 +4175,7 @@
         </p:nvSpPr>
         <p:spPr>
           <a:xfrm>
-            <a:off x="3914190" y="3629364"/>
+            <a:off x="4157871" y="3629364"/>
             <a:ext cx="855809" cy="215444"/>
           </a:xfrm>
           <a:prstGeom prst="rect">
@@ -4215,7 +4215,7 @@
         </p:nvCxnSpPr>
         <p:spPr>
           <a:xfrm>
-            <a:off x="3557679" y="1523999"/>
+            <a:off x="3801359" y="1523999"/>
             <a:ext cx="1492974" cy="0"/>
           </a:xfrm>
           <a:prstGeom prst="straightConnector1">
@@ -4253,7 +4253,7 @@
         </p:nvCxnSpPr>
         <p:spPr>
           <a:xfrm>
-            <a:off x="376020" y="6400799"/>
+            <a:off x="619701" y="6400799"/>
             <a:ext cx="1196051" cy="0"/>
           </a:xfrm>
           <a:prstGeom prst="straightConnector1">
@@ -4291,7 +4291,7 @@
         </p:nvSpPr>
         <p:spPr>
           <a:xfrm>
-            <a:off x="7367682" y="3863535"/>
+            <a:off x="7611363" y="3863535"/>
             <a:ext cx="164733" cy="2156258"/>
           </a:xfrm>
           <a:prstGeom prst="rect">
@@ -4338,8 +4338,8 @@
         </p:nvSpPr>
         <p:spPr>
           <a:xfrm>
-            <a:off x="1881280" y="761999"/>
-            <a:ext cx="1414620" cy="338554"/>
+            <a:off x="2124960" y="761999"/>
+            <a:ext cx="1414620" cy="400110"/>
           </a:xfrm>
           <a:prstGeom prst="rect">
             <a:avLst/>
@@ -4365,23 +4365,23 @@
           <a:p>
             <a:pPr algn="ctr"/>
             <a:r>
-              <a:rPr lang="en-US" sz="1100" dirty="0" err="1"/>
+              <a:rPr lang="en-US" sz="1300" dirty="0" err="1"/>
               <a:t>parseCommand</a:t>
             </a:r>
-            <a:endParaRPr lang="en-US" sz="1100" dirty="0"/>
+            <a:endParaRPr lang="en-US" sz="1300" dirty="0"/>
           </a:p>
           <a:p>
             <a:pPr algn="ctr"/>
             <a:r>
-              <a:rPr lang="en-US" sz="1100" dirty="0"/>
+              <a:rPr lang="en-US" sz="1300" dirty="0"/>
               <a:t>(“sort-med-</a:t>
             </a:r>
             <a:r>
-              <a:rPr lang="en-US" sz="1100" dirty="0" err="1"/>
+              <a:rPr lang="en-US" sz="1300" dirty="0" err="1"/>
               <a:t>hist</a:t>
             </a:r>
             <a:r>
-              <a:rPr lang="en-US" sz="1100" dirty="0"/>
+              <a:rPr lang="en-US" sz="1300" dirty="0"/>
               <a:t> …”)</a:t>
             </a:r>
           </a:p>
@@ -4395,7 +4395,7 @@
         </p:nvSpPr>
         <p:spPr>
           <a:xfrm>
-            <a:off x="11829470" y="3545190"/>
+            <a:off x="12073151" y="3545191"/>
             <a:ext cx="2181777" cy="335427"/>
           </a:xfrm>
           <a:prstGeom prst="rect">
@@ -4462,7 +4462,7 @@
         </p:nvSpPr>
         <p:spPr>
           <a:xfrm>
-            <a:off x="12806289" y="4128128"/>
+            <a:off x="13049969" y="4128128"/>
             <a:ext cx="204338" cy="1358270"/>
           </a:xfrm>
           <a:prstGeom prst="rect">
@@ -4509,7 +4509,7 @@
         </p:nvSpPr>
         <p:spPr>
           <a:xfrm>
-            <a:off x="9982197" y="3512105"/>
+            <a:off x="10225877" y="3512105"/>
             <a:ext cx="841636" cy="300180"/>
           </a:xfrm>
           <a:prstGeom prst="rect">
@@ -4570,7 +4570,7 @@
         </p:nvCxnSpPr>
         <p:spPr>
           <a:xfrm>
-            <a:off x="10346691" y="3790000"/>
+            <a:off x="10590372" y="3790001"/>
             <a:ext cx="21001" cy="2429745"/>
           </a:xfrm>
           <a:prstGeom prst="line">
@@ -4607,7 +4607,7 @@
         </p:nvSpPr>
         <p:spPr>
           <a:xfrm>
-            <a:off x="10256588" y="4034731"/>
+            <a:off x="10500269" y="4034731"/>
             <a:ext cx="210341" cy="1756468"/>
           </a:xfrm>
           <a:prstGeom prst="rect">
@@ -4654,7 +4654,7 @@
         </p:nvSpPr>
         <p:spPr>
           <a:xfrm>
-            <a:off x="5051875" y="3352799"/>
+            <a:off x="5295555" y="3352799"/>
             <a:ext cx="258404" cy="261610"/>
           </a:xfrm>
           <a:prstGeom prst="rect">
@@ -4687,8 +4687,8 @@
         </p:nvSpPr>
         <p:spPr>
           <a:xfrm>
-            <a:off x="6502906" y="1805901"/>
-            <a:ext cx="1752600" cy="461538"/>
+            <a:off x="6746585" y="1693666"/>
+            <a:ext cx="2270317" cy="573773"/>
           </a:xfrm>
           <a:prstGeom prst="rect">
             <a:avLst/>
@@ -4723,14 +4723,14 @@
           <a:p>
             <a:pPr algn="ctr"/>
             <a:r>
-              <a:rPr lang="en-SG" sz="1300" dirty="0" err="1">
+              <a:rPr lang="en-SG" sz="1600" dirty="0" err="1">
                 <a:solidFill>
                   <a:schemeClr val="bg1"/>
                 </a:solidFill>
               </a:rPr>
               <a:t>command:SortMedHist</a:t>
             </a:r>
-            <a:endParaRPr lang="en-SG" sz="1300" dirty="0">
+            <a:endParaRPr lang="en-SG" sz="1600" dirty="0">
               <a:solidFill>
                 <a:schemeClr val="bg1"/>
               </a:solidFill>
@@ -4739,7 +4739,7 @@
           <a:p>
             <a:pPr algn="ctr"/>
             <a:r>
-              <a:rPr lang="en-SG" sz="1300" dirty="0">
+              <a:rPr lang="en-SG" sz="1600" dirty="0">
                 <a:solidFill>
                   <a:schemeClr val="bg1"/>
                 </a:solidFill>
@@ -4765,7 +4765,7 @@
         </p:nvCxnSpPr>
         <p:spPr>
           <a:xfrm>
-            <a:off x="1728879" y="3886199"/>
+            <a:off x="1972559" y="3886199"/>
             <a:ext cx="5647298" cy="0"/>
           </a:xfrm>
           <a:prstGeom prst="straightConnector1">
@@ -4809,7 +4809,7 @@
         </p:nvCxnSpPr>
         <p:spPr>
           <a:xfrm>
-            <a:off x="1760727" y="1135317"/>
+            <a:off x="2004408" y="1135317"/>
             <a:ext cx="1644555" cy="1892"/>
           </a:xfrm>
           <a:prstGeom prst="straightConnector1">
@@ -4851,8 +4851,8 @@
         </p:nvSpPr>
         <p:spPr>
           <a:xfrm>
-            <a:off x="10039977" y="3931658"/>
-            <a:ext cx="2120786" cy="184666"/>
+            <a:off x="10556412" y="3904345"/>
+            <a:ext cx="2120786" cy="200055"/>
           </a:xfrm>
           <a:prstGeom prst="rect">
             <a:avLst/>
@@ -4877,7 +4877,7 @@
           </a:lstStyle>
           <a:p>
             <a:r>
-              <a:rPr lang="en-US" sz="1200" dirty="0" err="1">
+              <a:rPr lang="en-US" sz="1300" dirty="0" err="1">
                 <a:solidFill>
                   <a:srgbClr val="7030A0"/>
                 </a:solidFill>
@@ -4885,14 +4885,14 @@
               <a:t>sortMedHist</a:t>
             </a:r>
             <a:r>
-              <a:rPr lang="en-US" sz="1200" dirty="0">
+              <a:rPr lang="en-US" sz="1300" dirty="0">
                 <a:solidFill>
                   <a:srgbClr val="7030A0"/>
                 </a:solidFill>
               </a:rPr>
               <a:t>(comparator)</a:t>
             </a:r>
-            <a:endParaRPr lang="en-US" sz="1200" dirty="0"/>
+            <a:endParaRPr lang="en-US" sz="1300" dirty="0"/>
           </a:p>
         </p:txBody>
       </p:sp>
@@ -4912,7 +4912,7 @@
         </p:nvCxnSpPr>
         <p:spPr>
           <a:xfrm>
-            <a:off x="12896272" y="3865859"/>
+            <a:off x="13139953" y="3865860"/>
             <a:ext cx="7349" cy="1981385"/>
           </a:xfrm>
           <a:prstGeom prst="line">
@@ -4949,8 +4949,8 @@
         </p:nvSpPr>
         <p:spPr>
           <a:xfrm>
-            <a:off x="13610731" y="4219465"/>
-            <a:ext cx="1165209" cy="184666"/>
+            <a:off x="13888802" y="4215324"/>
+            <a:ext cx="1165209" cy="200055"/>
           </a:xfrm>
           <a:prstGeom prst="rect">
             <a:avLst/>
@@ -4978,14 +4978,14 @@
           </a:lstStyle>
           <a:p>
             <a:r>
-              <a:rPr lang="en-US" sz="1200" dirty="0">
+              <a:rPr lang="en-US" sz="1300" dirty="0">
                 <a:solidFill>
                   <a:srgbClr val="7030A0"/>
                 </a:solidFill>
               </a:rPr>
               <a:t>sort(comparator)</a:t>
             </a:r>
-            <a:endParaRPr lang="en-US" sz="1200" dirty="0">
+            <a:endParaRPr lang="en-US" sz="1300" dirty="0">
               <a:solidFill>
                 <a:schemeClr val="accent4">
                   <a:lumMod val="75000"/>
@@ -5005,7 +5005,7 @@
         </p:nvCxnSpPr>
         <p:spPr>
           <a:xfrm flipV="1">
-            <a:off x="10448053" y="4132957"/>
+            <a:off x="10691734" y="4132958"/>
             <a:ext cx="2348859" cy="25661"/>
           </a:xfrm>
           <a:prstGeom prst="straightConnector1">
@@ -5049,7 +5049,7 @@
         </p:nvCxnSpPr>
         <p:spPr>
           <a:xfrm>
-            <a:off x="13048670" y="5257802"/>
+            <a:off x="13292351" y="5257803"/>
             <a:ext cx="2420785" cy="1"/>
           </a:xfrm>
           <a:prstGeom prst="straightConnector1">
@@ -5095,7 +5095,7 @@
         </p:nvCxnSpPr>
         <p:spPr>
           <a:xfrm>
-            <a:off x="10403017" y="5486399"/>
+            <a:off x="10646698" y="5486399"/>
             <a:ext cx="2493253" cy="0"/>
           </a:xfrm>
           <a:prstGeom prst="straightConnector1">
@@ -5139,8 +5139,8 @@
         </p:nvSpPr>
         <p:spPr>
           <a:xfrm>
-            <a:off x="4472082" y="914399"/>
-            <a:ext cx="1530427" cy="431278"/>
+            <a:off x="4715762" y="742549"/>
+            <a:ext cx="2030801" cy="603128"/>
           </a:xfrm>
           <a:prstGeom prst="rect">
             <a:avLst/>
@@ -5175,14 +5175,14 @@
           <a:p>
             <a:pPr algn="ctr"/>
             <a:r>
-              <a:rPr lang="en-US" sz="1300" dirty="0" err="1">
+              <a:rPr lang="en-US" sz="1600" dirty="0" err="1">
                 <a:solidFill>
                   <a:schemeClr val="bg1"/>
                 </a:solidFill>
               </a:rPr>
               <a:t>parser:SortMedHist</a:t>
             </a:r>
-            <a:endParaRPr lang="en-US" sz="1300" dirty="0">
+            <a:endParaRPr lang="en-US" sz="1600" dirty="0">
               <a:solidFill>
                 <a:schemeClr val="bg1"/>
               </a:solidFill>
@@ -5191,14 +5191,14 @@
           <a:p>
             <a:pPr algn="ctr"/>
             <a:r>
-              <a:rPr lang="en-US" sz="1300" dirty="0" err="1">
+              <a:rPr lang="en-US" sz="1600" dirty="0" err="1">
                 <a:solidFill>
                   <a:schemeClr val="bg1"/>
                 </a:solidFill>
               </a:rPr>
               <a:t>CommandParser</a:t>
             </a:r>
-            <a:endParaRPr lang="en-SG" sz="1300" dirty="0">
+            <a:endParaRPr lang="en-SG" sz="1600" dirty="0">
               <a:solidFill>
                 <a:schemeClr val="bg1"/>
               </a:solidFill>
@@ -5222,7 +5222,7 @@
         </p:nvCxnSpPr>
         <p:spPr>
           <a:xfrm flipH="1">
-            <a:off x="5157879" y="1571405"/>
+            <a:off x="5401559" y="1571406"/>
             <a:ext cx="6886" cy="1857597"/>
           </a:xfrm>
           <a:prstGeom prst="line">
@@ -5265,7 +5265,7 @@
         </p:nvSpPr>
         <p:spPr>
           <a:xfrm>
-            <a:off x="5088564" y="1781396"/>
+            <a:off x="5332244" y="1781396"/>
             <a:ext cx="161196" cy="1337894"/>
           </a:xfrm>
           <a:prstGeom prst="rect">
@@ -5320,7 +5320,7 @@
         </p:nvCxnSpPr>
         <p:spPr>
           <a:xfrm>
-            <a:off x="3551251" y="1776296"/>
+            <a:off x="3794931" y="1776296"/>
             <a:ext cx="1530428" cy="13518"/>
           </a:xfrm>
           <a:prstGeom prst="straightConnector1">
@@ -5362,8 +5362,8 @@
         </p:nvSpPr>
         <p:spPr>
           <a:xfrm>
-            <a:off x="3826504" y="1600202"/>
-            <a:ext cx="955329" cy="169277"/>
+            <a:off x="4070185" y="1600203"/>
+            <a:ext cx="955329" cy="200055"/>
           </a:xfrm>
           <a:prstGeom prst="rect">
             <a:avLst/>
@@ -5389,7 +5389,7 @@
           <a:p>
             <a:pPr algn="ctr"/>
             <a:r>
-              <a:rPr lang="en-US" sz="1100" dirty="0"/>
+              <a:rPr lang="en-US" sz="1300" dirty="0"/>
               <a:t>parse(...)</a:t>
             </a:r>
           </a:p>
@@ -5409,8 +5409,8 @@
         </p:nvSpPr>
         <p:spPr>
           <a:xfrm>
-            <a:off x="7863943" y="3896433"/>
-            <a:ext cx="2174880" cy="169277"/>
+            <a:off x="7939881" y="3838545"/>
+            <a:ext cx="2501327" cy="200055"/>
           </a:xfrm>
           <a:prstGeom prst="rect">
             <a:avLst/>
@@ -5436,11 +5436,11 @@
           <a:p>
             <a:pPr algn="ctr"/>
             <a:r>
-              <a:rPr lang="en-US" sz="1100" dirty="0" err="1"/>
+              <a:rPr lang="en-US" sz="1300" dirty="0" err="1"/>
               <a:t>sortFilteredMedHistList</a:t>
             </a:r>
             <a:r>
-              <a:rPr lang="en-US" sz="1100" dirty="0"/>
+              <a:rPr lang="en-US" sz="1300" dirty="0"/>
               <a:t>(comparator)</a:t>
             </a:r>
           </a:p>
@@ -5460,8 +5460,8 @@
         </p:nvSpPr>
         <p:spPr>
           <a:xfrm>
-            <a:off x="2056329" y="3130832"/>
-            <a:ext cx="955329" cy="169277"/>
+            <a:off x="2300010" y="3130833"/>
+            <a:ext cx="955329" cy="200055"/>
           </a:xfrm>
           <a:prstGeom prst="rect">
             <a:avLst/>
@@ -5487,7 +5487,7 @@
           <a:p>
             <a:pPr algn="ctr"/>
             <a:r>
-              <a:rPr lang="en-US" sz="1100" dirty="0"/>
+              <a:rPr lang="en-US" sz="1300" dirty="0"/>
               <a:t>command</a:t>
             </a:r>
           </a:p>
@@ -5507,7 +5507,7 @@
         </p:nvSpPr>
         <p:spPr>
           <a:xfrm>
-            <a:off x="7351999" y="2285999"/>
+            <a:off x="7595680" y="2285999"/>
             <a:ext cx="168083" cy="328936"/>
           </a:xfrm>
           <a:prstGeom prst="rect">
@@ -5562,7 +5562,7 @@
         </p:nvCxnSpPr>
         <p:spPr>
           <a:xfrm>
-            <a:off x="5234082" y="2013812"/>
+            <a:off x="5477763" y="2013812"/>
             <a:ext cx="1268827" cy="2194"/>
           </a:xfrm>
           <a:prstGeom prst="straightConnector1">
@@ -5606,7 +5606,7 @@
         </p:nvCxnSpPr>
         <p:spPr>
           <a:xfrm>
-            <a:off x="5249763" y="2614935"/>
+            <a:off x="5493444" y="2614935"/>
             <a:ext cx="2270317" cy="0"/>
           </a:xfrm>
           <a:prstGeom prst="straightConnector1">
@@ -5652,7 +5652,7 @@
         </p:nvCxnSpPr>
         <p:spPr>
           <a:xfrm>
-            <a:off x="3604437" y="3119290"/>
+            <a:off x="3848118" y="3119290"/>
             <a:ext cx="1629645" cy="0"/>
           </a:xfrm>
           <a:prstGeom prst="straightConnector1">
@@ -5698,7 +5698,7 @@
         </p:nvCxnSpPr>
         <p:spPr>
           <a:xfrm>
-            <a:off x="1749928" y="3315115"/>
+            <a:off x="1993609" y="3315115"/>
             <a:ext cx="1629645" cy="0"/>
           </a:xfrm>
           <a:prstGeom prst="straightConnector1">
@@ -5742,8 +5742,8 @@
         </p:nvSpPr>
         <p:spPr>
           <a:xfrm>
-            <a:off x="3772790" y="2923790"/>
-            <a:ext cx="955329" cy="169277"/>
+            <a:off x="4016471" y="2923791"/>
+            <a:ext cx="955329" cy="200055"/>
           </a:xfrm>
           <a:prstGeom prst="rect">
             <a:avLst/>
@@ -5769,7 +5769,7 @@
           <a:p>
             <a:pPr algn="ctr"/>
             <a:r>
-              <a:rPr lang="en-US" sz="1100" dirty="0"/>
+              <a:rPr lang="en-US" sz="1300" dirty="0"/>
               <a:t>command</a:t>
             </a:r>
           </a:p>
@@ -5791,7 +5791,7 @@
         </p:nvCxnSpPr>
         <p:spPr>
           <a:xfrm flipV="1">
-            <a:off x="7518574" y="4061215"/>
+            <a:off x="7762255" y="4061215"/>
             <a:ext cx="2704173" cy="25736"/>
           </a:xfrm>
           <a:prstGeom prst="straightConnector1">
@@ -5833,7 +5833,7 @@
         </p:nvSpPr>
         <p:spPr>
           <a:xfrm>
-            <a:off x="14496470" y="3790000"/>
+            <a:off x="14740151" y="3790001"/>
             <a:ext cx="2181777" cy="335427"/>
           </a:xfrm>
           <a:prstGeom prst="rect">
@@ -5908,7 +5908,7 @@
         </p:nvCxnSpPr>
         <p:spPr>
           <a:xfrm>
-            <a:off x="12977922" y="4447652"/>
+            <a:off x="13221602" y="4447652"/>
             <a:ext cx="2514070" cy="0"/>
           </a:xfrm>
           <a:prstGeom prst="straightConnector1">
@@ -5952,7 +5952,7 @@
         </p:nvCxnSpPr>
         <p:spPr>
           <a:xfrm>
-            <a:off x="15563270" y="3829316"/>
+            <a:off x="15806951" y="3829316"/>
             <a:ext cx="2001" cy="1912436"/>
           </a:xfrm>
           <a:prstGeom prst="line">
@@ -5995,7 +5995,7 @@
         </p:nvSpPr>
         <p:spPr>
           <a:xfrm>
-            <a:off x="15487068" y="4447655"/>
+            <a:off x="15730748" y="4447656"/>
             <a:ext cx="165634" cy="854315"/>
           </a:xfrm>
           <a:prstGeom prst="rect">
@@ -6050,7 +6050,7 @@
         </p:nvCxnSpPr>
         <p:spPr>
           <a:xfrm>
-            <a:off x="1770321" y="6019799"/>
+            <a:off x="2014001" y="6019799"/>
             <a:ext cx="5591272" cy="0"/>
           </a:xfrm>
           <a:prstGeom prst="straightConnector1">
@@ -6094,7 +6094,7 @@
         </p:nvSpPr>
         <p:spPr>
           <a:xfrm>
-            <a:off x="4018875" y="5791199"/>
+            <a:off x="4262555" y="5791199"/>
             <a:ext cx="762000" cy="215444"/>
           </a:xfrm>
           <a:prstGeom prst="rect">
@@ -6140,7 +6140,7 @@
         </p:nvSpPr>
         <p:spPr>
           <a:xfrm>
-            <a:off x="447100" y="6172199"/>
+            <a:off x="690780" y="6172199"/>
             <a:ext cx="762000" cy="215444"/>
           </a:xfrm>
           <a:prstGeom prst="rect">
@@ -6188,7 +6188,7 @@
         </p:nvCxnSpPr>
         <p:spPr>
           <a:xfrm>
-            <a:off x="7518574" y="5791199"/>
+            <a:off x="7762255" y="5791199"/>
             <a:ext cx="2815277" cy="0"/>
           </a:xfrm>
           <a:prstGeom prst="straightConnector1">
@@ -6232,7 +6232,7 @@
         </p:nvSpPr>
         <p:spPr>
           <a:xfrm>
-            <a:off x="7315197" y="6367789"/>
+            <a:off x="7558877" y="6367789"/>
             <a:ext cx="258404" cy="261610"/>
           </a:xfrm>
           <a:prstGeom prst="rect">
